--- a/presentation-source/03-soap-implementation.pptx
+++ b/presentation-source/03-soap-implementation.pptx
@@ -173,7 +173,7 @@
           <a:lstStyle>
             <a:lvl1pPr algn="l">
               <a:defRPr sz="1200">
-                <a:latin typeface="Calisto MT"/>
+                <a:latin typeface="Montserrat"/>
               </a:defRPr>
             </a:lvl1pPr>
           </a:lstStyle>
@@ -206,7 +206,7 @@
           <a:lstStyle>
             <a:lvl1pPr algn="r">
               <a:defRPr sz="1200">
-                <a:latin typeface="Calisto MT"/>
+                <a:latin typeface="Montserrat"/>
               </a:defRPr>
             </a:lvl1pPr>
           </a:lstStyle>
@@ -337,7 +337,7 @@
           <a:lstStyle>
             <a:lvl1pPr algn="l">
               <a:defRPr sz="1200">
-                <a:latin typeface="Calisto MT"/>
+                <a:latin typeface="Montserrat"/>
               </a:defRPr>
             </a:lvl1pPr>
           </a:lstStyle>
@@ -370,7 +370,7 @@
           <a:lstStyle>
             <a:lvl1pPr algn="r">
               <a:defRPr sz="1200">
-                <a:latin typeface="Calisto MT"/>
+                <a:latin typeface="Montserrat"/>
               </a:defRPr>
             </a:lvl1pPr>
           </a:lstStyle>
@@ -398,7 +398,7 @@
         <a:solidFill>
           <a:schemeClr val="tx1"/>
         </a:solidFill>
-        <a:latin typeface="Calisto MT"/>
+        <a:latin typeface="Montserrat"/>
         <a:ea typeface="+mn-ea"/>
         <a:cs typeface="+mn-cs"/>
       </a:defRPr>
@@ -408,7 +408,7 @@
         <a:solidFill>
           <a:schemeClr val="tx1"/>
         </a:solidFill>
-        <a:latin typeface="Calisto MT"/>
+        <a:latin typeface="Montserrat"/>
         <a:ea typeface="+mn-ea"/>
         <a:cs typeface="+mn-cs"/>
       </a:defRPr>
@@ -418,7 +418,7 @@
         <a:solidFill>
           <a:schemeClr val="tx1"/>
         </a:solidFill>
-        <a:latin typeface="Calisto MT"/>
+        <a:latin typeface="Montserrat"/>
         <a:ea typeface="+mn-ea"/>
         <a:cs typeface="+mn-cs"/>
       </a:defRPr>
@@ -428,7 +428,7 @@
         <a:solidFill>
           <a:schemeClr val="tx1"/>
         </a:solidFill>
-        <a:latin typeface="Calisto MT"/>
+        <a:latin typeface="Montserrat"/>
         <a:ea typeface="+mn-ea"/>
         <a:cs typeface="+mn-cs"/>
       </a:defRPr>
@@ -438,7 +438,7 @@
         <a:solidFill>
           <a:schemeClr val="tx1"/>
         </a:solidFill>
-        <a:latin typeface="Calisto MT"/>
+        <a:latin typeface="Montserrat"/>
         <a:ea typeface="+mn-ea"/>
         <a:cs typeface="+mn-cs"/>
       </a:defRPr>
@@ -3242,7 +3242,7 @@
       </p:sp>
       <p:sp>
         <p:nvSpPr>
-          <p:cNvPr id="21" name="TextBox 20"/>
+          <p:cNvPr id="6" name="TextBox 5"/>
           <p:cNvSpPr txBox="1">
             <a:spLocks noChangeArrowheads="1"/>
           </p:cNvSpPr>
@@ -3250,8 +3250,8 @@
         </p:nvSpPr>
         <p:spPr bwMode="auto">
           <a:xfrm>
-            <a:off x="1046163" y="6092834"/>
-            <a:ext cx="6595551" cy="707886"/>
+            <a:off x="1168930" y="6344711"/>
+            <a:ext cx="4942379" cy="415498"/>
           </a:xfrm>
           <a:prstGeom prst="rect">
             <a:avLst/>
@@ -3423,10 +3423,22 @@
               <a:defRPr/>
             </a:pPr>
             <a:r>
-              <a:rPr lang="en-US" sz="1000" dirty="0" smtClean="0">
-                <a:latin typeface="Calisto MT"/>
+              <a:rPr lang="en-US" sz="700" dirty="0" smtClean="0">
+                <a:latin typeface="Montserrat"/>
               </a:rPr>
-              <a:t>© Paul Fremantle 2012.  Portions © Jeremy Gibbons 2010, © WSO2 2005-2012 used with permission of the author(s).</a:t>
+              <a:t>© Paul Fremantle </a:t>
+            </a:r>
+            <a:r>
+              <a:rPr lang="en-US" sz="700" dirty="0" smtClean="0">
+                <a:latin typeface="Montserrat"/>
+              </a:rPr>
+              <a:t>2016 except where credited elsewhere. </a:t>
+            </a:r>
+            <a:r>
+              <a:rPr lang="en-US" sz="700" dirty="0" smtClean="0">
+                <a:latin typeface="Montserrat"/>
+              </a:rPr>
+              <a:t> This work is licensed under a Creative Commons</a:t>
             </a:r>
           </a:p>
           <a:p>
@@ -3434,110 +3446,84 @@
               <a:defRPr/>
             </a:pPr>
             <a:r>
-              <a:rPr lang="en-US" sz="1000" dirty="0" smtClean="0">
-                <a:latin typeface="Calisto MT"/>
+              <a:rPr lang="en-US" sz="700" dirty="0" smtClean="0">
+                <a:latin typeface="Montserrat"/>
               </a:rPr>
-              <a:t>Licensed under the Creative Commons 3.0 BY-SA (Attribution-</a:t>
-            </a:r>
-            <a:r>
-              <a:rPr lang="en-US" sz="1000" dirty="0" err="1" smtClean="0">
-                <a:latin typeface="Calisto MT"/>
+              <a:t> Attribution-</a:t>
+            </a:r>
+            <a:r>
+              <a:rPr lang="en-US" sz="700" dirty="0" err="1" smtClean="0">
+                <a:latin typeface="Montserrat"/>
               </a:rPr>
-              <a:t>Sharealike</a:t>
-            </a:r>
-            <a:r>
-              <a:rPr lang="en-US" sz="1000" dirty="0" smtClean="0">
-                <a:latin typeface="Calisto MT"/>
+              <a:t>NonCommercial</a:t>
+            </a:r>
+            <a:r>
+              <a:rPr lang="en-US" sz="700" dirty="0" smtClean="0">
+                <a:latin typeface="Montserrat"/>
               </a:rPr>
-              <a:t>) license.</a:t>
-            </a:r>
-          </a:p>
-          <a:p>
-            <a:pPr algn="l" eaLnBrk="1" hangingPunct="1">
-              <a:defRPr/>
-            </a:pPr>
-            <a:r>
-              <a:rPr lang="en-US" sz="1000" dirty="0" smtClean="0">
-                <a:latin typeface="Calisto MT"/>
+              <a:t>-</a:t>
+            </a:r>
+            <a:r>
+              <a:rPr lang="en-US" sz="700" dirty="0" err="1" smtClean="0">
+                <a:latin typeface="Montserrat"/>
               </a:rPr>
-              <a:t>See </a:t>
-            </a:r>
-            <a:r>
-              <a:rPr lang="en-US" sz="1000" dirty="0" smtClean="0">
-                <a:latin typeface="Calisto MT"/>
+              <a:t>ShareAlike</a:t>
+            </a:r>
+            <a:r>
+              <a:rPr lang="en-US" sz="700" dirty="0" smtClean="0">
+                <a:latin typeface="Montserrat"/>
+              </a:rPr>
+              <a:t> 4.0 International License</a:t>
+            </a:r>
+            <a:br>
+              <a:rPr lang="en-US" sz="700" dirty="0" smtClean="0">
+                <a:latin typeface="Montserrat"/>
+              </a:rPr>
+            </a:br>
+            <a:r>
+              <a:rPr lang="en-US" sz="700" dirty="0" smtClean="0">
+                <a:latin typeface="Montserrat"/>
+              </a:rPr>
+              <a:t>See  </a:t>
+            </a:r>
+            <a:r>
+              <a:rPr lang="en-US" sz="700" dirty="0" smtClean="0">
+                <a:latin typeface="Montserrat"/>
                 <a:hlinkClick r:id="rId13"/>
               </a:rPr>
-              <a:t>http://creativecommons.org/licenses/by-sa/3.0/</a:t>
-            </a:r>
-            <a:r>
-              <a:rPr lang="en-US" sz="1000" dirty="0" smtClean="0">
-                <a:latin typeface="Calisto MT"/>
+              <a:t>http://creativecommons.org/licenses/by-nc-sa/4.0/</a:t>
+            </a:r>
+            <a:r>
+              <a:rPr lang="en-US" sz="700" dirty="0" smtClean="0">
+                <a:latin typeface="Montserrat"/>
               </a:rPr>
               <a:t> </a:t>
             </a:r>
           </a:p>
-          <a:p>
-            <a:pPr algn="l" eaLnBrk="1" hangingPunct="1">
-              <a:defRPr/>
-            </a:pPr>
-            <a:endParaRPr lang="en-US" sz="1000" dirty="0" smtClean="0">
-              <a:latin typeface="Calisto MT"/>
-            </a:endParaRPr>
-          </a:p>
         </p:txBody>
       </p:sp>
       <p:pic>
         <p:nvPicPr>
-          <p:cNvPr id="24" name="Picture 23"/>
+          <p:cNvPr id="7" name="Picture 6"/>
           <p:cNvPicPr>
-            <a:picLocks noChangeAspect="1" noChangeArrowheads="1"/>
+            <a:picLocks noChangeAspect="1"/>
           </p:cNvPicPr>
           <p:nvPr userDrawn="1"/>
         </p:nvPicPr>
         <p:blipFill>
-          <a:blip r:embed="rId14">
-            <a:extLst>
-              <a:ext uri="{28A0092B-C50C-407E-A947-70E740481C1C}">
-                <a14:useLocalDpi xmlns:a14="http://schemas.microsoft.com/office/drawing/2010/main" val="0"/>
-              </a:ext>
-            </a:extLst>
-          </a:blip>
-          <a:srcRect/>
+          <a:blip r:embed="rId14"/>
           <a:stretch>
             <a:fillRect/>
           </a:stretch>
         </p:blipFill>
-        <p:spPr bwMode="auto">
+        <p:spPr>
           <a:xfrm>
-            <a:off x="320764" y="6254746"/>
-            <a:ext cx="725399" cy="258097"/>
+            <a:off x="375635" y="6428175"/>
+            <a:ext cx="792765" cy="279269"/>
           </a:xfrm>
           <a:prstGeom prst="rect">
             <a:avLst/>
           </a:prstGeom>
-          <a:noFill/>
-          <a:ln>
-            <a:noFill/>
-          </a:ln>
-          <a:extLst>
-            <a:ext uri="{909E8E84-426E-40dd-AFC4-6F175D3DCCD1}">
-              <a14:hiddenFill xmlns:a14="http://schemas.microsoft.com/office/drawing/2010/main">
-                <a:solidFill>
-                  <a:srgbClr val="FFFFFF"/>
-                </a:solidFill>
-              </a14:hiddenFill>
-            </a:ext>
-            <a:ext uri="{91240B29-F687-4f45-9708-019B960494DF}">
-              <a14:hiddenLine xmlns:a14="http://schemas.microsoft.com/office/drawing/2010/main" w="9525">
-                <a:solidFill>
-                  <a:srgbClr val="000000"/>
-                </a:solidFill>
-                <a:miter lim="800000"/>
-                <a:headEnd/>
-                <a:tailEnd/>
-              </a14:hiddenLine>
-            </a:ext>
-          </a:extLst>
         </p:spPr>
       </p:pic>
     </p:spTree>
@@ -3572,7 +3558,7 @@
           <a:solidFill>
             <a:schemeClr val="tx1"/>
           </a:solidFill>
-          <a:latin typeface="Calisto MT"/>
+          <a:latin typeface="Montserrat"/>
           <a:ea typeface="+mj-ea"/>
           <a:cs typeface="+mj-cs"/>
         </a:defRPr>
@@ -3589,7 +3575,7 @@
           <a:solidFill>
             <a:schemeClr val="tx1"/>
           </a:solidFill>
-          <a:latin typeface="Calisto MT"/>
+          <a:latin typeface="Montserrat"/>
           <a:ea typeface="+mn-ea"/>
           <a:cs typeface="+mn-cs"/>
         </a:defRPr>
@@ -3604,7 +3590,7 @@
           <a:solidFill>
             <a:schemeClr val="tx1"/>
           </a:solidFill>
-          <a:latin typeface="Calisto MT"/>
+          <a:latin typeface="Montserrat"/>
           <a:ea typeface="+mn-ea"/>
           <a:cs typeface="+mn-cs"/>
         </a:defRPr>
@@ -3619,7 +3605,7 @@
           <a:solidFill>
             <a:schemeClr val="tx1"/>
           </a:solidFill>
-          <a:latin typeface="Calisto MT"/>
+          <a:latin typeface="Montserrat"/>
           <a:ea typeface="+mn-ea"/>
           <a:cs typeface="+mn-cs"/>
         </a:defRPr>
@@ -3634,7 +3620,7 @@
           <a:solidFill>
             <a:schemeClr val="tx1"/>
           </a:solidFill>
-          <a:latin typeface="Calisto MT"/>
+          <a:latin typeface="Montserrat"/>
           <a:ea typeface="+mn-ea"/>
           <a:cs typeface="+mn-cs"/>
         </a:defRPr>
@@ -3649,7 +3635,7 @@
           <a:solidFill>
             <a:schemeClr val="tx1"/>
           </a:solidFill>
-          <a:latin typeface="Calisto MT"/>
+          <a:latin typeface="Montserrat"/>
           <a:ea typeface="+mn-ea"/>
           <a:cs typeface="+mn-cs"/>
         </a:defRPr>
@@ -3866,7 +3852,9 @@
         </p:nvSpPr>
         <p:spPr/>
         <p:txBody>
-          <a:bodyPr/>
+          <a:bodyPr>
+            <a:normAutofit fontScale="92500" lnSpcReduction="20000"/>
+          </a:bodyPr>
           <a:lstStyle/>
           <a:p>
             <a:r>
@@ -3973,7 +3961,9 @@
         </p:nvSpPr>
         <p:spPr/>
         <p:txBody>
-          <a:bodyPr/>
+          <a:bodyPr>
+            <a:normAutofit lnSpcReduction="10000"/>
+          </a:bodyPr>
           <a:lstStyle/>
           <a:p>
             <a:pPr marL="0" indent="0">
@@ -4104,7 +4094,7 @@
         <p:spPr/>
         <p:txBody>
           <a:bodyPr>
-            <a:normAutofit fontScale="85000" lnSpcReduction="20000"/>
+            <a:normAutofit fontScale="77500" lnSpcReduction="20000"/>
           </a:bodyPr>
           <a:lstStyle/>
           <a:p>
@@ -4492,7 +4482,9 @@
         </p:nvSpPr>
         <p:spPr/>
         <p:txBody>
-          <a:bodyPr/>
+          <a:bodyPr>
+            <a:normAutofit lnSpcReduction="10000"/>
+          </a:bodyPr>
           <a:lstStyle/>
           <a:p>
             <a:r>
@@ -4592,7 +4584,7 @@
         <p:spPr/>
         <p:txBody>
           <a:bodyPr>
-            <a:normAutofit fontScale="92500" lnSpcReduction="10000"/>
+            <a:normAutofit fontScale="92500" lnSpcReduction="20000"/>
           </a:bodyPr>
           <a:lstStyle/>
           <a:p>
@@ -4994,11 +4986,7 @@
           <a:p>
             <a:r>
               <a:rPr lang="en-US" dirty="0" smtClean="0"/>
-              <a:t>Eclips</a:t>
-            </a:r>
-            <a:r>
-              <a:rPr lang="en-US" dirty="0" smtClean="0"/>
-              <a:t>e tooling</a:t>
+              <a:t>Eclipse tooling</a:t>
             </a:r>
             <a:endParaRPr lang="en-US" dirty="0"/>
           </a:p>
@@ -5093,7 +5081,7 @@
         <p:spPr/>
         <p:txBody>
           <a:bodyPr>
-            <a:normAutofit lnSpcReduction="10000"/>
+            <a:normAutofit fontScale="92500"/>
           </a:bodyPr>
           <a:lstStyle/>
           <a:p>
@@ -5163,7 +5151,7 @@
               <a:t>jax-ws.java.net</a:t>
             </a:r>
             <a:r>
-              <a:rPr lang="en-US"/>
+              <a:rPr lang="en-US" dirty="0"/>
               <a:t>/</a:t>
             </a:r>
           </a:p>
@@ -5441,14 +5429,16 @@
         </p:nvSpPr>
         <p:spPr/>
         <p:txBody>
-          <a:bodyPr/>
-          <a:lstStyle/>
-          <a:p>
-            <a:r>
-              <a:rPr lang="en-US" dirty="0" smtClean="0"/>
-              <a:t>Other languages</a:t>
-            </a:r>
-            <a:endParaRPr lang="en-US" dirty="0"/>
+          <a:bodyPr>
+            <a:noAutofit/>
+          </a:bodyPr>
+          <a:lstStyle/>
+          <a:p>
+            <a:r>
+              <a:rPr lang="en-US" sz="2400" dirty="0" smtClean="0"/>
+              <a:t>Poor support in other languages is one reason for SOAP’s decline</a:t>
+            </a:r>
+            <a:endParaRPr lang="en-US" sz="2400" dirty="0"/>
           </a:p>
         </p:txBody>
       </p:sp>
@@ -5542,7 +5532,7 @@
         <p:spPr/>
         <p:txBody>
           <a:bodyPr>
-            <a:normAutofit fontScale="92500"/>
+            <a:normAutofit fontScale="85000" lnSpcReduction="10000"/>
           </a:bodyPr>
           <a:lstStyle/>
           <a:p>
@@ -6058,7 +6048,7 @@
         <p:spPr/>
         <p:txBody>
           <a:bodyPr>
-            <a:normAutofit lnSpcReduction="10000"/>
+            <a:normAutofit fontScale="92500" lnSpcReduction="10000"/>
           </a:bodyPr>
           <a:lstStyle/>
           <a:p>

--- a/presentation-source/03-soap-implementation.pptx
+++ b/presentation-source/03-soap-implementation.pptx
@@ -214,7 +214,7 @@
             <a:fld id="{7307762F-A706-E543-A832-3C298AA3103F}" type="datetimeFigureOut">
               <a:rPr lang="en-US" smtClean="0"/>
               <a:pPr/>
-              <a:t>10/06/16</a:t>
+              <a:t>07/05/17</a:t>
             </a:fld>
             <a:endParaRPr lang="en-US" dirty="0"/>
           </a:p>
@@ -781,7 +781,7 @@
           <a:p>
             <a:fld id="{875CF0EB-321F-0749-B37A-89BBA859503C}" type="datetimeFigureOut">
               <a:rPr lang="en-US" smtClean="0"/>
-              <a:t>10/06/16</a:t>
+              <a:t>07/05/17</a:t>
             </a:fld>
             <a:endParaRPr lang="en-US"/>
           </a:p>
@@ -985,7 +985,7 @@
           <a:p>
             <a:fld id="{875CF0EB-321F-0749-B37A-89BBA859503C}" type="datetimeFigureOut">
               <a:rPr lang="en-US" smtClean="0"/>
-              <a:t>10/06/16</a:t>
+              <a:t>07/05/17</a:t>
             </a:fld>
             <a:endParaRPr lang="en-US"/>
           </a:p>
@@ -1179,7 +1179,7 @@
           <a:p>
             <a:fld id="{875CF0EB-321F-0749-B37A-89BBA859503C}" type="datetimeFigureOut">
               <a:rPr lang="en-US" smtClean="0"/>
-              <a:t>10/06/16</a:t>
+              <a:t>07/05/17</a:t>
             </a:fld>
             <a:endParaRPr lang="en-US"/>
           </a:p>
@@ -1449,7 +1449,7 @@
           <a:p>
             <a:fld id="{875CF0EB-321F-0749-B37A-89BBA859503C}" type="datetimeFigureOut">
               <a:rPr lang="en-US" smtClean="0"/>
-              <a:t>10/06/16</a:t>
+              <a:t>07/05/17</a:t>
             </a:fld>
             <a:endParaRPr lang="en-US"/>
           </a:p>
@@ -1761,7 +1761,7 @@
           <a:p>
             <a:fld id="{875CF0EB-321F-0749-B37A-89BBA859503C}" type="datetimeFigureOut">
               <a:rPr lang="en-US" smtClean="0"/>
-              <a:t>10/06/16</a:t>
+              <a:t>07/05/17</a:t>
             </a:fld>
             <a:endParaRPr lang="en-US"/>
           </a:p>
@@ -2207,7 +2207,7 @@
           <a:p>
             <a:fld id="{875CF0EB-321F-0749-B37A-89BBA859503C}" type="datetimeFigureOut">
               <a:rPr lang="en-US" smtClean="0"/>
-              <a:t>10/06/16</a:t>
+              <a:t>07/05/17</a:t>
             </a:fld>
             <a:endParaRPr lang="en-US"/>
           </a:p>
@@ -2349,7 +2349,7 @@
           <a:p>
             <a:fld id="{875CF0EB-321F-0749-B37A-89BBA859503C}" type="datetimeFigureOut">
               <a:rPr lang="en-US" smtClean="0"/>
-              <a:t>10/06/16</a:t>
+              <a:t>07/05/17</a:t>
             </a:fld>
             <a:endParaRPr lang="en-US"/>
           </a:p>
@@ -2468,7 +2468,7 @@
           <a:p>
             <a:fld id="{875CF0EB-321F-0749-B37A-89BBA859503C}" type="datetimeFigureOut">
               <a:rPr lang="en-US" smtClean="0"/>
-              <a:t>10/06/16</a:t>
+              <a:t>07/05/17</a:t>
             </a:fld>
             <a:endParaRPr lang="en-US"/>
           </a:p>
@@ -2769,7 +2769,7 @@
           <a:p>
             <a:fld id="{875CF0EB-321F-0749-B37A-89BBA859503C}" type="datetimeFigureOut">
               <a:rPr lang="en-US" smtClean="0"/>
-              <a:t>10/06/16</a:t>
+              <a:t>07/05/17</a:t>
             </a:fld>
             <a:endParaRPr lang="en-US"/>
           </a:p>
@@ -3046,7 +3046,7 @@
           <a:p>
             <a:fld id="{875CF0EB-321F-0749-B37A-89BBA859503C}" type="datetimeFigureOut">
               <a:rPr lang="en-US" smtClean="0"/>
-              <a:t>10/06/16</a:t>
+              <a:t>07/05/17</a:t>
             </a:fld>
             <a:endParaRPr lang="en-US"/>
           </a:p>
@@ -3426,19 +3426,7 @@
               <a:rPr lang="en-US" sz="700" dirty="0" smtClean="0">
                 <a:latin typeface="Montserrat"/>
               </a:rPr>
-              <a:t>© Paul Fremantle </a:t>
-            </a:r>
-            <a:r>
-              <a:rPr lang="en-US" sz="700" dirty="0" smtClean="0">
-                <a:latin typeface="Montserrat"/>
-              </a:rPr>
-              <a:t>2016 except where credited elsewhere. </a:t>
-            </a:r>
-            <a:r>
-              <a:rPr lang="en-US" sz="700" dirty="0" smtClean="0">
-                <a:latin typeface="Montserrat"/>
-              </a:rPr>
-              <a:t> This work is licensed under a Creative Commons</a:t>
+              <a:t>© Paul Fremantle 2016 except where credited elsewhere.  This work is licensed under a Creative Commons</a:t>
             </a:r>
           </a:p>
           <a:p>
@@ -3876,12 +3864,14 @@
           </a:p>
           <a:p>
             <a:r>
-              <a:rPr lang="en-US" dirty="0" smtClean="0">
+              <a:rPr lang="en-US" smtClean="0">
                 <a:ea typeface="ヒラギノ角ゴ ProN W3" charset="0"/>
                 <a:cs typeface="ヒラギノ角ゴ ProN W3" charset="0"/>
               </a:rPr>
-              <a:t>June 2016</a:t>
-            </a:r>
+              <a:t>May 2017</a:t>
+            </a:r>
+          </a:p>
+          <a:p>
             <a:endParaRPr lang="en-US" dirty="0">
               <a:ea typeface="ヒラギノ角ゴ ProN W3" charset="0"/>
               <a:cs typeface="ヒラギノ角ゴ ProN W3" charset="0"/>

--- a/presentation-source/03-soap-implementation.pptx
+++ b/presentation-source/03-soap-implementation.pptx
@@ -214,7 +214,7 @@
             <a:fld id="{7307762F-A706-E543-A832-3C298AA3103F}" type="datetimeFigureOut">
               <a:rPr lang="en-US" smtClean="0"/>
               <a:pPr/>
-              <a:t>07/05/17</a:t>
+              <a:t>19/12/17</a:t>
             </a:fld>
             <a:endParaRPr lang="en-US" dirty="0"/>
           </a:p>
@@ -781,7 +781,7 @@
           <a:p>
             <a:fld id="{875CF0EB-321F-0749-B37A-89BBA859503C}" type="datetimeFigureOut">
               <a:rPr lang="en-US" smtClean="0"/>
-              <a:t>07/05/17</a:t>
+              <a:t>19/12/17</a:t>
             </a:fld>
             <a:endParaRPr lang="en-US"/>
           </a:p>
@@ -985,7 +985,7 @@
           <a:p>
             <a:fld id="{875CF0EB-321F-0749-B37A-89BBA859503C}" type="datetimeFigureOut">
               <a:rPr lang="en-US" smtClean="0"/>
-              <a:t>07/05/17</a:t>
+              <a:t>19/12/17</a:t>
             </a:fld>
             <a:endParaRPr lang="en-US"/>
           </a:p>
@@ -1179,7 +1179,7 @@
           <a:p>
             <a:fld id="{875CF0EB-321F-0749-B37A-89BBA859503C}" type="datetimeFigureOut">
               <a:rPr lang="en-US" smtClean="0"/>
-              <a:t>07/05/17</a:t>
+              <a:t>19/12/17</a:t>
             </a:fld>
             <a:endParaRPr lang="en-US"/>
           </a:p>
@@ -1449,7 +1449,7 @@
           <a:p>
             <a:fld id="{875CF0EB-321F-0749-B37A-89BBA859503C}" type="datetimeFigureOut">
               <a:rPr lang="en-US" smtClean="0"/>
-              <a:t>07/05/17</a:t>
+              <a:t>19/12/17</a:t>
             </a:fld>
             <a:endParaRPr lang="en-US"/>
           </a:p>
@@ -1761,7 +1761,7 @@
           <a:p>
             <a:fld id="{875CF0EB-321F-0749-B37A-89BBA859503C}" type="datetimeFigureOut">
               <a:rPr lang="en-US" smtClean="0"/>
-              <a:t>07/05/17</a:t>
+              <a:t>19/12/17</a:t>
             </a:fld>
             <a:endParaRPr lang="en-US"/>
           </a:p>
@@ -2207,7 +2207,7 @@
           <a:p>
             <a:fld id="{875CF0EB-321F-0749-B37A-89BBA859503C}" type="datetimeFigureOut">
               <a:rPr lang="en-US" smtClean="0"/>
-              <a:t>07/05/17</a:t>
+              <a:t>19/12/17</a:t>
             </a:fld>
             <a:endParaRPr lang="en-US"/>
           </a:p>
@@ -2349,7 +2349,7 @@
           <a:p>
             <a:fld id="{875CF0EB-321F-0749-B37A-89BBA859503C}" type="datetimeFigureOut">
               <a:rPr lang="en-US" smtClean="0"/>
-              <a:t>07/05/17</a:t>
+              <a:t>19/12/17</a:t>
             </a:fld>
             <a:endParaRPr lang="en-US"/>
           </a:p>
@@ -2468,7 +2468,7 @@
           <a:p>
             <a:fld id="{875CF0EB-321F-0749-B37A-89BBA859503C}" type="datetimeFigureOut">
               <a:rPr lang="en-US" smtClean="0"/>
-              <a:t>07/05/17</a:t>
+              <a:t>19/12/17</a:t>
             </a:fld>
             <a:endParaRPr lang="en-US"/>
           </a:p>
@@ -2769,7 +2769,7 @@
           <a:p>
             <a:fld id="{875CF0EB-321F-0749-B37A-89BBA859503C}" type="datetimeFigureOut">
               <a:rPr lang="en-US" smtClean="0"/>
-              <a:t>07/05/17</a:t>
+              <a:t>19/12/17</a:t>
             </a:fld>
             <a:endParaRPr lang="en-US"/>
           </a:p>
@@ -3046,7 +3046,7 @@
           <a:p>
             <a:fld id="{875CF0EB-321F-0749-B37A-89BBA859503C}" type="datetimeFigureOut">
               <a:rPr lang="en-US" smtClean="0"/>
-              <a:t>07/05/17</a:t>
+              <a:t>19/12/17</a:t>
             </a:fld>
             <a:endParaRPr lang="en-US"/>
           </a:p>
@@ -3868,8 +3868,12 @@
                 <a:ea typeface="ヒラギノ角ゴ ProN W3" charset="0"/>
                 <a:cs typeface="ヒラギノ角ゴ ProN W3" charset="0"/>
               </a:rPr>
-              <a:t>May 2017</a:t>
-            </a:r>
+              <a:t>January 2018</a:t>
+            </a:r>
+            <a:endParaRPr lang="en-US" dirty="0" smtClean="0">
+              <a:ea typeface="ヒラギノ角ゴ ProN W3" charset="0"/>
+              <a:cs typeface="ヒラギノ角ゴ ProN W3" charset="0"/>
+            </a:endParaRPr>
           </a:p>
           <a:p>
             <a:endParaRPr lang="en-US" dirty="0">
